--- a/e-practical training/E-practical training.pptx
+++ b/e-practical training/E-practical training.pptx
@@ -18,6 +18,7 @@
     <p:sldId id="265" r:id="rId12"/>
     <p:sldId id="266" r:id="rId13"/>
     <p:sldId id="269" r:id="rId14"/>
+    <p:sldId id="270" r:id="rId15"/>
   </p:sldIdLst>
   <p:sldSz cx="12192000" cy="6858000"/>
   <p:notesSz cx="6858000" cy="9144000"/>
@@ -134,6 +135,7 @@
             <p14:sldId id="265"/>
             <p14:sldId id="266"/>
             <p14:sldId id="269"/>
+            <p14:sldId id="270"/>
           </p14:sldIdLst>
         </p14:section>
         <p14:section name="مقطع بدون عنوان" id="{B1651A5A-4439-46C3-9A46-E2865843403A}">
@@ -337,7 +339,7 @@
             <a:fld id="{B61BEF0D-F0BB-DE4B-95CE-6DB70DBA9567}" type="datetimeFigureOut">
               <a:rPr lang="en-US" dirty="0"/>
               <a:pPr/>
-              <a:t>6/12/2022</a:t>
+              <a:t>6/17/2022</a:t>
             </a:fld>
             <a:endParaRPr lang="en-US" dirty="0"/>
           </a:p>
@@ -672,7 +674,7 @@
             <a:fld id="{B61BEF0D-F0BB-DE4B-95CE-6DB70DBA9567}" type="datetimeFigureOut">
               <a:rPr lang="en-US" dirty="0"/>
               <a:pPr/>
-              <a:t>6/12/2022</a:t>
+              <a:t>6/17/2022</a:t>
             </a:fld>
             <a:endParaRPr lang="en-US" dirty="0"/>
           </a:p>
@@ -1070,7 +1072,7 @@
             <a:fld id="{B61BEF0D-F0BB-DE4B-95CE-6DB70DBA9567}" type="datetimeFigureOut">
               <a:rPr lang="en-US" dirty="0"/>
               <a:pPr/>
-              <a:t>6/12/2022</a:t>
+              <a:t>6/17/2022</a:t>
             </a:fld>
             <a:endParaRPr lang="en-US" dirty="0"/>
           </a:p>
@@ -1403,7 +1405,7 @@
             <a:fld id="{B61BEF0D-F0BB-DE4B-95CE-6DB70DBA9567}" type="datetimeFigureOut">
               <a:rPr lang="en-US" dirty="0"/>
               <a:pPr/>
-              <a:t>6/12/2022</a:t>
+              <a:t>6/17/2022</a:t>
             </a:fld>
             <a:endParaRPr lang="en-US" dirty="0"/>
           </a:p>
@@ -1720,7 +1722,7 @@
             <a:fld id="{B61BEF0D-F0BB-DE4B-95CE-6DB70DBA9567}" type="datetimeFigureOut">
               <a:rPr lang="en-US" dirty="0"/>
               <a:pPr/>
-              <a:t>6/12/2022</a:t>
+              <a:t>6/17/2022</a:t>
             </a:fld>
             <a:endParaRPr lang="en-US" dirty="0"/>
           </a:p>
@@ -2113,7 +2115,7 @@
             <a:fld id="{B61BEF0D-F0BB-DE4B-95CE-6DB70DBA9567}" type="datetimeFigureOut">
               <a:rPr lang="en-US" dirty="0"/>
               <a:pPr/>
-              <a:t>6/12/2022</a:t>
+              <a:t>6/17/2022</a:t>
             </a:fld>
             <a:endParaRPr lang="en-US" dirty="0"/>
           </a:p>
@@ -2367,7 +2369,7 @@
             <a:fld id="{B61BEF0D-F0BB-DE4B-95CE-6DB70DBA9567}" type="datetimeFigureOut">
               <a:rPr lang="en-US" dirty="0"/>
               <a:pPr/>
-              <a:t>6/12/2022</a:t>
+              <a:t>6/17/2022</a:t>
             </a:fld>
             <a:endParaRPr lang="en-US" dirty="0"/>
           </a:p>
@@ -2626,7 +2628,7 @@
             <a:fld id="{B61BEF0D-F0BB-DE4B-95CE-6DB70DBA9567}" type="datetimeFigureOut">
               <a:rPr lang="en-US" dirty="0"/>
               <a:pPr/>
-              <a:t>6/12/2022</a:t>
+              <a:t>6/17/2022</a:t>
             </a:fld>
             <a:endParaRPr lang="en-US" dirty="0"/>
           </a:p>
@@ -2885,7 +2887,7 @@
             <a:fld id="{B61BEF0D-F0BB-DE4B-95CE-6DB70DBA9567}" type="datetimeFigureOut">
               <a:rPr lang="en-US" dirty="0"/>
               <a:pPr/>
-              <a:t>6/12/2022</a:t>
+              <a:t>6/17/2022</a:t>
             </a:fld>
             <a:endParaRPr lang="en-US" dirty="0"/>
           </a:p>
@@ -3211,7 +3213,7 @@
             <a:fld id="{B61BEF0D-F0BB-DE4B-95CE-6DB70DBA9567}" type="datetimeFigureOut">
               <a:rPr lang="en-US" dirty="0"/>
               <a:pPr/>
-              <a:t>6/12/2022</a:t>
+              <a:t>6/17/2022</a:t>
             </a:fld>
             <a:endParaRPr lang="en-US" dirty="0"/>
           </a:p>
@@ -3531,7 +3533,7 @@
             <a:fld id="{B61BEF0D-F0BB-DE4B-95CE-6DB70DBA9567}" type="datetimeFigureOut">
               <a:rPr lang="en-US" dirty="0"/>
               <a:pPr/>
-              <a:t>6/12/2022</a:t>
+              <a:t>6/17/2022</a:t>
             </a:fld>
             <a:endParaRPr lang="en-US" dirty="0"/>
           </a:p>
@@ -3985,7 +3987,7 @@
             <a:fld id="{B61BEF0D-F0BB-DE4B-95CE-6DB70DBA9567}" type="datetimeFigureOut">
               <a:rPr lang="en-US" dirty="0"/>
               <a:pPr/>
-              <a:t>6/12/2022</a:t>
+              <a:t>6/17/2022</a:t>
             </a:fld>
             <a:endParaRPr lang="en-US" dirty="0"/>
           </a:p>
@@ -4187,7 +4189,7 @@
             <a:fld id="{B61BEF0D-F0BB-DE4B-95CE-6DB70DBA9567}" type="datetimeFigureOut">
               <a:rPr lang="en-US" dirty="0"/>
               <a:pPr/>
-              <a:t>6/12/2022</a:t>
+              <a:t>6/17/2022</a:t>
             </a:fld>
             <a:endParaRPr lang="en-US" dirty="0"/>
           </a:p>
@@ -4361,7 +4363,7 @@
             <a:fld id="{B61BEF0D-F0BB-DE4B-95CE-6DB70DBA9567}" type="datetimeFigureOut">
               <a:rPr lang="en-US" dirty="0"/>
               <a:pPr/>
-              <a:t>6/12/2022</a:t>
+              <a:t>6/17/2022</a:t>
             </a:fld>
             <a:endParaRPr lang="en-US" dirty="0"/>
           </a:p>
@@ -4691,7 +4693,7 @@
             <a:fld id="{B61BEF0D-F0BB-DE4B-95CE-6DB70DBA9567}" type="datetimeFigureOut">
               <a:rPr lang="en-US" dirty="0"/>
               <a:pPr/>
-              <a:t>6/12/2022</a:t>
+              <a:t>6/17/2022</a:t>
             </a:fld>
             <a:endParaRPr lang="en-US" dirty="0"/>
           </a:p>
@@ -5033,7 +5035,7 @@
             <a:fld id="{B61BEF0D-F0BB-DE4B-95CE-6DB70DBA9567}" type="datetimeFigureOut">
               <a:rPr lang="en-US" dirty="0"/>
               <a:pPr/>
-              <a:t>6/12/2022</a:t>
+              <a:t>6/17/2022</a:t>
             </a:fld>
             <a:endParaRPr lang="en-US" dirty="0"/>
           </a:p>
@@ -7147,7 +7149,7 @@
             <a:fld id="{B61BEF0D-F0BB-DE4B-95CE-6DB70DBA9567}" type="datetimeFigureOut">
               <a:rPr lang="en-US" dirty="0"/>
               <a:pPr/>
-              <a:t>6/12/2022</a:t>
+              <a:t>6/17/2022</a:t>
             </a:fld>
             <a:endParaRPr lang="en-US" dirty="0"/>
           </a:p>
@@ -8019,7 +8021,7 @@
         </p:blipFill>
         <p:spPr>
           <a:xfrm>
-            <a:off x="6061117" y="624110"/>
+            <a:off x="6061117" y="535333"/>
             <a:ext cx="5772817" cy="6034142"/>
           </a:xfrm>
           <a:prstGeom prst="rect">
@@ -8301,6 +8303,113 @@
 </p:sld>
 </file>
 
+<file path=ppt/slides/slide14.xml><?xml version="1.0" encoding="utf-8"?>
+<p:sld xmlns:a="http://schemas.openxmlformats.org/drawingml/2006/main" xmlns:r="http://schemas.openxmlformats.org/officeDocument/2006/relationships" xmlns:p="http://schemas.openxmlformats.org/presentationml/2006/main">
+  <p:cSld>
+    <p:spTree>
+      <p:nvGrpSpPr>
+        <p:cNvPr id="1" name=""/>
+        <p:cNvGrpSpPr/>
+        <p:nvPr/>
+      </p:nvGrpSpPr>
+      <p:grpSpPr>
+        <a:xfrm>
+          <a:off x="0" y="0"/>
+          <a:ext cx="0" cy="0"/>
+          <a:chOff x="0" y="0"/>
+          <a:chExt cx="0" cy="0"/>
+        </a:xfrm>
+      </p:grpSpPr>
+      <p:sp>
+        <p:nvSpPr>
+          <p:cNvPr id="2" name="عنوان 1">
+            <a:extLst>
+              <a:ext uri="{FF2B5EF4-FFF2-40B4-BE49-F238E27FC236}">
+                <a16:creationId xmlns:a16="http://schemas.microsoft.com/office/drawing/2014/main" id="{04633513-9335-3C61-6882-A14DBD73DD5D}"/>
+              </a:ext>
+            </a:extLst>
+          </p:cNvPr>
+          <p:cNvSpPr>
+            <a:spLocks noGrp="1"/>
+          </p:cNvSpPr>
+          <p:nvPr>
+            <p:ph type="title"/>
+          </p:nvPr>
+        </p:nvSpPr>
+        <p:spPr/>
+        <p:txBody>
+          <a:bodyPr/>
+          <a:lstStyle/>
+          <a:p>
+            <a:r>
+              <a:rPr lang="en-US" dirty="0"/>
+              <a:t>Conclusion</a:t>
+            </a:r>
+          </a:p>
+        </p:txBody>
+      </p:sp>
+      <p:sp>
+        <p:nvSpPr>
+          <p:cNvPr id="3" name="عنصر نائب للمحتوى 2">
+            <a:extLst>
+              <a:ext uri="{FF2B5EF4-FFF2-40B4-BE49-F238E27FC236}">
+                <a16:creationId xmlns:a16="http://schemas.microsoft.com/office/drawing/2014/main" id="{84105CF1-F315-9381-B8A4-7F0004B5F457}"/>
+              </a:ext>
+            </a:extLst>
+          </p:cNvPr>
+          <p:cNvSpPr>
+            <a:spLocks noGrp="1"/>
+          </p:cNvSpPr>
+          <p:nvPr>
+            <p:ph idx="1"/>
+          </p:nvPr>
+        </p:nvSpPr>
+        <p:spPr/>
+        <p:txBody>
+          <a:bodyPr/>
+          <a:lstStyle/>
+          <a:p>
+            <a:r>
+              <a:rPr lang="en-US" dirty="0"/>
+              <a:t>1- Contributing to creating a new field of cooperation between the university and technical companies.</a:t>
+            </a:r>
+            <a:endParaRPr lang="ar-JO" dirty="0"/>
+          </a:p>
+          <a:p>
+            <a:r>
+              <a:rPr lang="en-US" dirty="0"/>
+              <a:t>2- Helping the student by providing an appropriate number of companies available for training.</a:t>
+            </a:r>
+            <a:endParaRPr lang="ar-JO" dirty="0"/>
+          </a:p>
+          <a:p>
+            <a:r>
+              <a:rPr lang="en-US" dirty="0"/>
+              <a:t>3- Facilitating for the student to apply for training through the company’s website and direct communication between them.</a:t>
+            </a:r>
+            <a:endParaRPr lang="ar-JO" dirty="0"/>
+          </a:p>
+          <a:p>
+            <a:r>
+              <a:rPr lang="en-US" dirty="0"/>
+              <a:t>4- Facilitating the student by submitting the approval report to the university through the website.</a:t>
+            </a:r>
+          </a:p>
+        </p:txBody>
+      </p:sp>
+    </p:spTree>
+    <p:extLst>
+      <p:ext uri="{BB962C8B-B14F-4D97-AF65-F5344CB8AC3E}">
+        <p14:creationId xmlns:p14="http://schemas.microsoft.com/office/powerpoint/2010/main" val="2948488916"/>
+      </p:ext>
+    </p:extLst>
+  </p:cSld>
+  <p:clrMapOvr>
+    <a:masterClrMapping/>
+  </p:clrMapOvr>
+</p:sld>
+</file>
+
 <file path=ppt/slides/slide2.xml><?xml version="1.0" encoding="utf-8"?>
 <p:sld xmlns:a="http://schemas.openxmlformats.org/drawingml/2006/main" xmlns:r="http://schemas.openxmlformats.org/officeDocument/2006/relationships" xmlns:p="http://schemas.openxmlformats.org/presentationml/2006/main">
   <p:cSld>
@@ -8349,7 +8458,7 @@
         <p:spPr>
           <a:xfrm>
             <a:off x="2592925" y="2355011"/>
-            <a:ext cx="8034818" cy="2831544"/>
+            <a:ext cx="8034818" cy="3139321"/>
           </a:xfrm>
           <a:prstGeom prst="rect">
             <a:avLst/>
@@ -8440,6 +8549,17 @@
             <a:r>
               <a:rPr lang="en-US" sz="2000" dirty="0"/>
               <a:t>Design models</a:t>
+            </a:r>
+            <a:endParaRPr lang="ar-JO" sz="2000" dirty="0"/>
+          </a:p>
+          <a:p>
+            <a:pPr marL="285750" indent="-285750">
+              <a:buFontTx/>
+              <a:buChar char="-"/>
+            </a:pPr>
+            <a:r>
+              <a:rPr lang="en-US" sz="2000" dirty="0"/>
+              <a:t>Conclusion</a:t>
             </a:r>
           </a:p>
           <a:p>
@@ -8530,7 +8650,7 @@
             </a:pPr>
             <a:r>
               <a:rPr lang="en-US" sz="2400" dirty="0"/>
-              <a:t>This project deals with the idea of a gradual transition to electronic transactions. Our project begins through contracts between technology companies and the university to help the student find a training company and facilitate the application to the company.</a:t>
+              <a:t>This project deals with the idea of a gradual transition to electronic transactions. Our project begins through contracts between technology companies and the university to help the student find a training company and facilitate the application to the companies.</a:t>
             </a:r>
           </a:p>
         </p:txBody>

--- a/e-practical training/E-practical training.pptx
+++ b/e-practical training/E-practical training.pptx
@@ -339,7 +339,7 @@
             <a:fld id="{B61BEF0D-F0BB-DE4B-95CE-6DB70DBA9567}" type="datetimeFigureOut">
               <a:rPr lang="en-US" dirty="0"/>
               <a:pPr/>
-              <a:t>6/17/2022</a:t>
+              <a:t>6/18/2022</a:t>
             </a:fld>
             <a:endParaRPr lang="en-US" dirty="0"/>
           </a:p>
@@ -674,7 +674,7 @@
             <a:fld id="{B61BEF0D-F0BB-DE4B-95CE-6DB70DBA9567}" type="datetimeFigureOut">
               <a:rPr lang="en-US" dirty="0"/>
               <a:pPr/>
-              <a:t>6/17/2022</a:t>
+              <a:t>6/18/2022</a:t>
             </a:fld>
             <a:endParaRPr lang="en-US" dirty="0"/>
           </a:p>
@@ -1072,7 +1072,7 @@
             <a:fld id="{B61BEF0D-F0BB-DE4B-95CE-6DB70DBA9567}" type="datetimeFigureOut">
               <a:rPr lang="en-US" dirty="0"/>
               <a:pPr/>
-              <a:t>6/17/2022</a:t>
+              <a:t>6/18/2022</a:t>
             </a:fld>
             <a:endParaRPr lang="en-US" dirty="0"/>
           </a:p>
@@ -1405,7 +1405,7 @@
             <a:fld id="{B61BEF0D-F0BB-DE4B-95CE-6DB70DBA9567}" type="datetimeFigureOut">
               <a:rPr lang="en-US" dirty="0"/>
               <a:pPr/>
-              <a:t>6/17/2022</a:t>
+              <a:t>6/18/2022</a:t>
             </a:fld>
             <a:endParaRPr lang="en-US" dirty="0"/>
           </a:p>
@@ -1722,7 +1722,7 @@
             <a:fld id="{B61BEF0D-F0BB-DE4B-95CE-6DB70DBA9567}" type="datetimeFigureOut">
               <a:rPr lang="en-US" dirty="0"/>
               <a:pPr/>
-              <a:t>6/17/2022</a:t>
+              <a:t>6/18/2022</a:t>
             </a:fld>
             <a:endParaRPr lang="en-US" dirty="0"/>
           </a:p>
@@ -2115,7 +2115,7 @@
             <a:fld id="{B61BEF0D-F0BB-DE4B-95CE-6DB70DBA9567}" type="datetimeFigureOut">
               <a:rPr lang="en-US" dirty="0"/>
               <a:pPr/>
-              <a:t>6/17/2022</a:t>
+              <a:t>6/18/2022</a:t>
             </a:fld>
             <a:endParaRPr lang="en-US" dirty="0"/>
           </a:p>
@@ -2369,7 +2369,7 @@
             <a:fld id="{B61BEF0D-F0BB-DE4B-95CE-6DB70DBA9567}" type="datetimeFigureOut">
               <a:rPr lang="en-US" dirty="0"/>
               <a:pPr/>
-              <a:t>6/17/2022</a:t>
+              <a:t>6/18/2022</a:t>
             </a:fld>
             <a:endParaRPr lang="en-US" dirty="0"/>
           </a:p>
@@ -2628,7 +2628,7 @@
             <a:fld id="{B61BEF0D-F0BB-DE4B-95CE-6DB70DBA9567}" type="datetimeFigureOut">
               <a:rPr lang="en-US" dirty="0"/>
               <a:pPr/>
-              <a:t>6/17/2022</a:t>
+              <a:t>6/18/2022</a:t>
             </a:fld>
             <a:endParaRPr lang="en-US" dirty="0"/>
           </a:p>
@@ -2887,7 +2887,7 @@
             <a:fld id="{B61BEF0D-F0BB-DE4B-95CE-6DB70DBA9567}" type="datetimeFigureOut">
               <a:rPr lang="en-US" dirty="0"/>
               <a:pPr/>
-              <a:t>6/17/2022</a:t>
+              <a:t>6/18/2022</a:t>
             </a:fld>
             <a:endParaRPr lang="en-US" dirty="0"/>
           </a:p>
@@ -3213,7 +3213,7 @@
             <a:fld id="{B61BEF0D-F0BB-DE4B-95CE-6DB70DBA9567}" type="datetimeFigureOut">
               <a:rPr lang="en-US" dirty="0"/>
               <a:pPr/>
-              <a:t>6/17/2022</a:t>
+              <a:t>6/18/2022</a:t>
             </a:fld>
             <a:endParaRPr lang="en-US" dirty="0"/>
           </a:p>
@@ -3533,7 +3533,7 @@
             <a:fld id="{B61BEF0D-F0BB-DE4B-95CE-6DB70DBA9567}" type="datetimeFigureOut">
               <a:rPr lang="en-US" dirty="0"/>
               <a:pPr/>
-              <a:t>6/17/2022</a:t>
+              <a:t>6/18/2022</a:t>
             </a:fld>
             <a:endParaRPr lang="en-US" dirty="0"/>
           </a:p>
@@ -3987,7 +3987,7 @@
             <a:fld id="{B61BEF0D-F0BB-DE4B-95CE-6DB70DBA9567}" type="datetimeFigureOut">
               <a:rPr lang="en-US" dirty="0"/>
               <a:pPr/>
-              <a:t>6/17/2022</a:t>
+              <a:t>6/18/2022</a:t>
             </a:fld>
             <a:endParaRPr lang="en-US" dirty="0"/>
           </a:p>
@@ -4189,7 +4189,7 @@
             <a:fld id="{B61BEF0D-F0BB-DE4B-95CE-6DB70DBA9567}" type="datetimeFigureOut">
               <a:rPr lang="en-US" dirty="0"/>
               <a:pPr/>
-              <a:t>6/17/2022</a:t>
+              <a:t>6/18/2022</a:t>
             </a:fld>
             <a:endParaRPr lang="en-US" dirty="0"/>
           </a:p>
@@ -4363,7 +4363,7 @@
             <a:fld id="{B61BEF0D-F0BB-DE4B-95CE-6DB70DBA9567}" type="datetimeFigureOut">
               <a:rPr lang="en-US" dirty="0"/>
               <a:pPr/>
-              <a:t>6/17/2022</a:t>
+              <a:t>6/18/2022</a:t>
             </a:fld>
             <a:endParaRPr lang="en-US" dirty="0"/>
           </a:p>
@@ -4693,7 +4693,7 @@
             <a:fld id="{B61BEF0D-F0BB-DE4B-95CE-6DB70DBA9567}" type="datetimeFigureOut">
               <a:rPr lang="en-US" dirty="0"/>
               <a:pPr/>
-              <a:t>6/17/2022</a:t>
+              <a:t>6/18/2022</a:t>
             </a:fld>
             <a:endParaRPr lang="en-US" dirty="0"/>
           </a:p>
@@ -5035,7 +5035,7 @@
             <a:fld id="{B61BEF0D-F0BB-DE4B-95CE-6DB70DBA9567}" type="datetimeFigureOut">
               <a:rPr lang="en-US" dirty="0"/>
               <a:pPr/>
-              <a:t>6/17/2022</a:t>
+              <a:t>6/18/2022</a:t>
             </a:fld>
             <a:endParaRPr lang="en-US" dirty="0"/>
           </a:p>
@@ -7149,7 +7149,7 @@
             <a:fld id="{B61BEF0D-F0BB-DE4B-95CE-6DB70DBA9567}" type="datetimeFigureOut">
               <a:rPr lang="en-US" dirty="0"/>
               <a:pPr/>
-              <a:t>6/17/2022</a:t>
+              <a:t>6/18/2022</a:t>
             </a:fld>
             <a:endParaRPr lang="en-US" dirty="0"/>
           </a:p>
@@ -8113,10 +8113,10 @@
       </p:sp>
       <p:pic>
         <p:nvPicPr>
-          <p:cNvPr id="5" name="صورة 4">
+          <p:cNvPr id="6" name="صورة 5">
             <a:extLst>
               <a:ext uri="{FF2B5EF4-FFF2-40B4-BE49-F238E27FC236}">
-                <a16:creationId xmlns:a16="http://schemas.microsoft.com/office/drawing/2014/main" id="{4BE8883B-97EF-1519-231B-9B5246F4579F}"/>
+                <a16:creationId xmlns:a16="http://schemas.microsoft.com/office/drawing/2014/main" id="{980533EE-4DFA-B940-A809-36D9C770B704}"/>
               </a:ext>
             </a:extLst>
           </p:cNvPr>
@@ -8133,8 +8133,8 @@
         </p:blipFill>
         <p:spPr>
           <a:xfrm>
-            <a:off x="5104660" y="1251751"/>
-            <a:ext cx="6809173" cy="5226652"/>
+            <a:off x="5548544" y="1544715"/>
+            <a:ext cx="6516209" cy="5024761"/>
           </a:xfrm>
           <a:prstGeom prst="rect">
             <a:avLst/>
@@ -8901,13 +8901,8 @@
             </a:pPr>
             <a:r>
               <a:rPr lang="en-US" dirty="0"/>
-              <a:t>3- The problem of the paper and routine procedures, which must be transferred to an electronic form for the development of the university.</a:t>
-            </a:r>
-          </a:p>
-          <a:p>
-            <a:pPr marL="0" indent="0">
-              <a:buNone/>
-            </a:pPr>
+              <a:t>3- The problem of routine procedures that must be resolved.</a:t>
+            </a:r>
             <a:endParaRPr lang="en-US" u="sng" dirty="0"/>
           </a:p>
         </p:txBody>
